--- a/assets/logos/logos.pptx
+++ b/assets/logos/logos.pptx
@@ -3342,7 +3342,7 @@
         </p:nvSpPr>
         <p:spPr>
           <a:xfrm>
-            <a:off x="729574" y="496111"/>
+            <a:off x="340474" y="522423"/>
             <a:ext cx="10408596" cy="5904689"/>
           </a:xfrm>
           <a:prstGeom prst="rect">
@@ -3669,6 +3669,470 @@
           </p:sp>
         </p:grpSp>
       </p:grpSp>
+      <p:pic>
+        <p:nvPicPr>
+          <p:cNvPr id="6" name="Grafik 5">
+            <a:extLst>
+              <a:ext uri="{FF2B5EF4-FFF2-40B4-BE49-F238E27FC236}">
+                <a16:creationId xmlns:a16="http://schemas.microsoft.com/office/drawing/2014/main" id="{A6ECD66B-8FA9-2575-0979-DA092D29ECC4}"/>
+              </a:ext>
+            </a:extLst>
+          </p:cNvPr>
+          <p:cNvPicPr>
+            <a:picLocks noChangeAspect="1"/>
+          </p:cNvPicPr>
+          <p:nvPr/>
+        </p:nvPicPr>
+        <p:blipFill>
+          <a:blip r:embed="rId11">
+            <a:extLst>
+              <a:ext uri="{96DAC541-7B7A-43D3-8B79-37D633B846F1}">
+                <asvg:svgBlip xmlns:asvg="http://schemas.microsoft.com/office/drawing/2016/SVG/main" r:embed="rId12"/>
+              </a:ext>
+            </a:extLst>
+          </a:blip>
+          <a:srcRect l="6268" t="16796" r="6851" b="17579"/>
+          <a:stretch/>
+        </p:blipFill>
+        <p:spPr>
+          <a:xfrm>
+            <a:off x="3819526" y="4398758"/>
+            <a:ext cx="2838450" cy="800101"/>
+          </a:xfrm>
+          <a:prstGeom prst="rect">
+            <a:avLst/>
+          </a:prstGeom>
+        </p:spPr>
+      </p:pic>
+      <p:pic>
+        <p:nvPicPr>
+          <p:cNvPr id="8" name="Grafik 7">
+            <a:extLst>
+              <a:ext uri="{FF2B5EF4-FFF2-40B4-BE49-F238E27FC236}">
+                <a16:creationId xmlns:a16="http://schemas.microsoft.com/office/drawing/2014/main" id="{7D44161C-737E-6649-0EDF-63E192F3CB29}"/>
+              </a:ext>
+            </a:extLst>
+          </p:cNvPr>
+          <p:cNvPicPr>
+            <a:picLocks noChangeAspect="1"/>
+          </p:cNvPicPr>
+          <p:nvPr/>
+        </p:nvPicPr>
+        <p:blipFill>
+          <a:blip r:embed="rId13">
+            <a:extLst>
+              <a:ext uri="{96DAC541-7B7A-43D3-8B79-37D633B846F1}">
+                <asvg:svgBlip xmlns:asvg="http://schemas.microsoft.com/office/drawing/2016/SVG/main" r:embed="rId14"/>
+              </a:ext>
+            </a:extLst>
+          </a:blip>
+          <a:stretch>
+            <a:fillRect/>
+          </a:stretch>
+        </p:blipFill>
+        <p:spPr>
+          <a:xfrm>
+            <a:off x="7305675" y="4398758"/>
+            <a:ext cx="3176585" cy="673821"/>
+          </a:xfrm>
+          <a:prstGeom prst="rect">
+            <a:avLst/>
+          </a:prstGeom>
+        </p:spPr>
+      </p:pic>
+      <p:pic>
+        <p:nvPicPr>
+          <p:cNvPr id="10" name="Grafik 9">
+            <a:extLst>
+              <a:ext uri="{FF2B5EF4-FFF2-40B4-BE49-F238E27FC236}">
+                <a16:creationId xmlns:a16="http://schemas.microsoft.com/office/drawing/2014/main" id="{4EFDD165-081A-F358-5C7E-B82B12E43AD5}"/>
+              </a:ext>
+            </a:extLst>
+          </p:cNvPr>
+          <p:cNvPicPr>
+            <a:picLocks noChangeAspect="1"/>
+          </p:cNvPicPr>
+          <p:nvPr/>
+        </p:nvPicPr>
+        <p:blipFill>
+          <a:blip r:embed="rId8">
+            <a:extLst>
+              <a:ext uri="{96DAC541-7B7A-43D3-8B79-37D633B846F1}">
+                <asvg:svgBlip xmlns:asvg="http://schemas.microsoft.com/office/drawing/2016/SVG/main" r:embed="rId9"/>
+              </a:ext>
+            </a:extLst>
+          </a:blip>
+          <a:srcRect/>
+          <a:stretch/>
+        </p:blipFill>
+        <p:spPr>
+          <a:xfrm>
+            <a:off x="7303852" y="5277579"/>
+            <a:ext cx="3213605" cy="630892"/>
+          </a:xfrm>
+          <a:prstGeom prst="rect">
+            <a:avLst/>
+          </a:prstGeom>
+        </p:spPr>
+      </p:pic>
+      <p:grpSp>
+        <p:nvGrpSpPr>
+          <p:cNvPr id="12" name="Gruppieren 11">
+            <a:extLst>
+              <a:ext uri="{FF2B5EF4-FFF2-40B4-BE49-F238E27FC236}">
+                <a16:creationId xmlns:a16="http://schemas.microsoft.com/office/drawing/2014/main" id="{B2F8A6DA-2287-01C7-3F41-60E9DB959BA9}"/>
+              </a:ext>
+            </a:extLst>
+          </p:cNvPr>
+          <p:cNvGrpSpPr/>
+          <p:nvPr/>
+        </p:nvGrpSpPr>
+        <p:grpSpPr>
+          <a:xfrm>
+            <a:off x="1290530" y="4452439"/>
+            <a:ext cx="2700445" cy="882338"/>
+            <a:chOff x="2404955" y="1189350"/>
+            <a:chExt cx="2700445" cy="882338"/>
+          </a:xfrm>
+        </p:grpSpPr>
+        <p:pic>
+          <p:nvPicPr>
+            <p:cNvPr id="17" name="Grafik 16" descr="Ein Bild, das Symbol, Schrift, Grafiken, Diagramm enthält.&#10;&#10;KI-generierte Inhalte können fehlerhaft sein.">
+              <a:extLst>
+                <a:ext uri="{FF2B5EF4-FFF2-40B4-BE49-F238E27FC236}">
+                  <a16:creationId xmlns:a16="http://schemas.microsoft.com/office/drawing/2014/main" id="{C38D0D73-C88E-BCB2-BF92-965B0E3341D4}"/>
+                </a:ext>
+              </a:extLst>
+            </p:cNvPr>
+            <p:cNvPicPr>
+              <a:picLocks noChangeAspect="1"/>
+            </p:cNvPicPr>
+            <p:nvPr/>
+          </p:nvPicPr>
+          <p:blipFill>
+            <a:blip r:embed="rId10">
+              <a:extLst>
+                <a:ext uri="{28A0092B-C50C-407E-A947-70E740481C1C}">
+                  <a14:useLocalDpi xmlns:a14="http://schemas.microsoft.com/office/drawing/2010/main" val="0"/>
+                </a:ext>
+              </a:extLst>
+            </a:blip>
+            <a:stretch>
+              <a:fillRect/>
+            </a:stretch>
+          </p:blipFill>
+          <p:spPr>
+            <a:xfrm>
+              <a:off x="2404955" y="1189350"/>
+              <a:ext cx="814495" cy="882338"/>
+            </a:xfrm>
+            <a:prstGeom prst="rect">
+              <a:avLst/>
+            </a:prstGeom>
+          </p:spPr>
+        </p:pic>
+        <p:sp>
+          <p:nvSpPr>
+            <p:cNvPr id="18" name="Textfeld 17">
+              <a:extLst>
+                <a:ext uri="{FF2B5EF4-FFF2-40B4-BE49-F238E27FC236}">
+                  <a16:creationId xmlns:a16="http://schemas.microsoft.com/office/drawing/2014/main" id="{52DA80DB-29DF-80C3-843A-02820351D37B}"/>
+                </a:ext>
+              </a:extLst>
+            </p:cNvPr>
+            <p:cNvSpPr txBox="1"/>
+            <p:nvPr/>
+          </p:nvSpPr>
+          <p:spPr>
+            <a:xfrm>
+              <a:off x="3219450" y="1215021"/>
+              <a:ext cx="1885950" cy="830997"/>
+            </a:xfrm>
+            <a:prstGeom prst="rect">
+              <a:avLst/>
+            </a:prstGeom>
+            <a:noFill/>
+          </p:spPr>
+          <p:txBody>
+            <a:bodyPr wrap="square" rtlCol="0">
+              <a:spAutoFit/>
+            </a:bodyPr>
+            <a:lstStyle/>
+            <a:p>
+              <a:r>
+                <a:rPr lang="de-DE" sz="1600" b="1" dirty="0">
+                  <a:solidFill>
+                    <a:schemeClr val="bg1"/>
+                  </a:solidFill>
+                  <a:latin typeface="Arial" panose="020B0604020202020204" pitchFamily="34" charset="0"/>
+                  <a:cs typeface="Arial" panose="020B0604020202020204" pitchFamily="34" charset="0"/>
+                </a:rPr>
+                <a:t>Applied</a:t>
+              </a:r>
+            </a:p>
+            <a:p>
+              <a:r>
+                <a:rPr lang="de-DE" sz="1600" b="1" dirty="0" err="1">
+                  <a:solidFill>
+                    <a:schemeClr val="bg1"/>
+                  </a:solidFill>
+                  <a:latin typeface="Arial" panose="020B0604020202020204" pitchFamily="34" charset="0"/>
+                  <a:cs typeface="Arial" panose="020B0604020202020204" pitchFamily="34" charset="0"/>
+                </a:rPr>
+                <a:t>Neurocognitive</a:t>
+              </a:r>
+              <a:r>
+                <a:rPr lang="de-DE" sz="1600" b="1" dirty="0">
+                  <a:solidFill>
+                    <a:schemeClr val="bg1"/>
+                  </a:solidFill>
+                  <a:latin typeface="Arial" panose="020B0604020202020204" pitchFamily="34" charset="0"/>
+                  <a:cs typeface="Arial" panose="020B0604020202020204" pitchFamily="34" charset="0"/>
+                </a:rPr>
+                <a:t> </a:t>
+              </a:r>
+            </a:p>
+            <a:p>
+              <a:r>
+                <a:rPr lang="de-DE" sz="1600" b="1" dirty="0">
+                  <a:solidFill>
+                    <a:schemeClr val="bg1"/>
+                  </a:solidFill>
+                  <a:latin typeface="Arial" panose="020B0604020202020204" pitchFamily="34" charset="0"/>
+                  <a:cs typeface="Arial" panose="020B0604020202020204" pitchFamily="34" charset="0"/>
+                </a:rPr>
+                <a:t>Systems</a:t>
+              </a:r>
+            </a:p>
+          </p:txBody>
+        </p:sp>
+      </p:grpSp>
+      <p:grpSp>
+        <p:nvGrpSpPr>
+          <p:cNvPr id="21" name="Gruppieren 20">
+            <a:extLst>
+              <a:ext uri="{FF2B5EF4-FFF2-40B4-BE49-F238E27FC236}">
+                <a16:creationId xmlns:a16="http://schemas.microsoft.com/office/drawing/2014/main" id="{B5BD83F1-F73D-8DE5-32DC-C239F1AC91F6}"/>
+              </a:ext>
+            </a:extLst>
+          </p:cNvPr>
+          <p:cNvGrpSpPr/>
+          <p:nvPr/>
+        </p:nvGrpSpPr>
+        <p:grpSpPr>
+          <a:xfrm>
+            <a:off x="2176355" y="883306"/>
+            <a:ext cx="2700445" cy="882338"/>
+            <a:chOff x="2176355" y="883306"/>
+            <a:chExt cx="2700445" cy="882338"/>
+          </a:xfrm>
+        </p:grpSpPr>
+        <p:pic>
+          <p:nvPicPr>
+            <p:cNvPr id="19" name="Grafik 18" descr="Ein Bild, das Symbol, Schrift, Grafiken, Diagramm enthält.&#10;&#10;KI-generierte Inhalte können fehlerhaft sein.">
+              <a:extLst>
+                <a:ext uri="{FF2B5EF4-FFF2-40B4-BE49-F238E27FC236}">
+                  <a16:creationId xmlns:a16="http://schemas.microsoft.com/office/drawing/2014/main" id="{E232F5E9-EF7C-7666-D09E-A3DF18277E3C}"/>
+                </a:ext>
+              </a:extLst>
+            </p:cNvPr>
+            <p:cNvPicPr>
+              <a:picLocks noChangeAspect="1"/>
+            </p:cNvPicPr>
+            <p:nvPr/>
+          </p:nvPicPr>
+          <p:blipFill>
+            <a:blip r:embed="rId10">
+              <a:extLst>
+                <a:ext uri="{28A0092B-C50C-407E-A947-70E740481C1C}">
+                  <a14:useLocalDpi xmlns:a14="http://schemas.microsoft.com/office/drawing/2010/main" val="0"/>
+                </a:ext>
+              </a:extLst>
+            </a:blip>
+            <a:stretch>
+              <a:fillRect/>
+            </a:stretch>
+          </p:blipFill>
+          <p:spPr>
+            <a:xfrm>
+              <a:off x="2176355" y="883306"/>
+              <a:ext cx="814495" cy="882338"/>
+            </a:xfrm>
+            <a:prstGeom prst="rect">
+              <a:avLst/>
+            </a:prstGeom>
+          </p:spPr>
+        </p:pic>
+        <p:sp>
+          <p:nvSpPr>
+            <p:cNvPr id="20" name="Textfeld 19">
+              <a:extLst>
+                <a:ext uri="{FF2B5EF4-FFF2-40B4-BE49-F238E27FC236}">
+                  <a16:creationId xmlns:a16="http://schemas.microsoft.com/office/drawing/2014/main" id="{6AAD8BFF-11B6-EBBB-21A2-2288B952076B}"/>
+                </a:ext>
+              </a:extLst>
+            </p:cNvPr>
+            <p:cNvSpPr txBox="1"/>
+            <p:nvPr/>
+          </p:nvSpPr>
+          <p:spPr>
+            <a:xfrm>
+              <a:off x="2990850" y="908977"/>
+              <a:ext cx="1885950" cy="830997"/>
+            </a:xfrm>
+            <a:prstGeom prst="rect">
+              <a:avLst/>
+            </a:prstGeom>
+            <a:noFill/>
+          </p:spPr>
+          <p:txBody>
+            <a:bodyPr wrap="square" rtlCol="0">
+              <a:spAutoFit/>
+            </a:bodyPr>
+            <a:lstStyle/>
+            <a:p>
+              <a:r>
+                <a:rPr lang="de-DE" sz="1600" b="1" dirty="0">
+                  <a:solidFill>
+                    <a:schemeClr val="bg1"/>
+                  </a:solidFill>
+                  <a:latin typeface="Arial" panose="020B0604020202020204" pitchFamily="34" charset="0"/>
+                  <a:cs typeface="Arial" panose="020B0604020202020204" pitchFamily="34" charset="0"/>
+                </a:rPr>
+                <a:t>Applied</a:t>
+              </a:r>
+            </a:p>
+            <a:p>
+              <a:r>
+                <a:rPr lang="de-DE" sz="1600" b="1" dirty="0" err="1">
+                  <a:solidFill>
+                    <a:schemeClr val="bg1"/>
+                  </a:solidFill>
+                  <a:latin typeface="Arial" panose="020B0604020202020204" pitchFamily="34" charset="0"/>
+                  <a:cs typeface="Arial" panose="020B0604020202020204" pitchFamily="34" charset="0"/>
+                </a:rPr>
+                <a:t>Neurocognitive</a:t>
+              </a:r>
+              <a:r>
+                <a:rPr lang="de-DE" sz="1600" b="1" dirty="0">
+                  <a:solidFill>
+                    <a:schemeClr val="bg1"/>
+                  </a:solidFill>
+                  <a:latin typeface="Arial" panose="020B0604020202020204" pitchFamily="34" charset="0"/>
+                  <a:cs typeface="Arial" panose="020B0604020202020204" pitchFamily="34" charset="0"/>
+                </a:rPr>
+                <a:t> </a:t>
+              </a:r>
+            </a:p>
+            <a:p>
+              <a:r>
+                <a:rPr lang="de-DE" sz="1600" b="1" dirty="0">
+                  <a:solidFill>
+                    <a:schemeClr val="bg1"/>
+                  </a:solidFill>
+                  <a:latin typeface="Arial" panose="020B0604020202020204" pitchFamily="34" charset="0"/>
+                  <a:cs typeface="Arial" panose="020B0604020202020204" pitchFamily="34" charset="0"/>
+                </a:rPr>
+                <a:t>Systems</a:t>
+              </a:r>
+            </a:p>
+          </p:txBody>
+        </p:sp>
+      </p:grpSp>
+      <p:grpSp>
+        <p:nvGrpSpPr>
+          <p:cNvPr id="24" name="Gruppieren 23">
+            <a:extLst>
+              <a:ext uri="{FF2B5EF4-FFF2-40B4-BE49-F238E27FC236}">
+                <a16:creationId xmlns:a16="http://schemas.microsoft.com/office/drawing/2014/main" id="{D8BBACCC-6841-7790-A83D-39CF8D2DFF5E}"/>
+              </a:ext>
+            </a:extLst>
+          </p:cNvPr>
+          <p:cNvGrpSpPr/>
+          <p:nvPr/>
+        </p:nvGrpSpPr>
+        <p:grpSpPr>
+          <a:xfrm>
+            <a:off x="3905250" y="5424352"/>
+            <a:ext cx="2457450" cy="685800"/>
+            <a:chOff x="3905250" y="5424352"/>
+            <a:chExt cx="2457450" cy="685800"/>
+          </a:xfrm>
+        </p:grpSpPr>
+        <p:pic>
+          <p:nvPicPr>
+            <p:cNvPr id="4" name="Grafik 3">
+              <a:extLst>
+                <a:ext uri="{FF2B5EF4-FFF2-40B4-BE49-F238E27FC236}">
+                  <a16:creationId xmlns:a16="http://schemas.microsoft.com/office/drawing/2014/main" id="{B9B59856-5717-AE3A-4D77-23AAACBCBDD6}"/>
+                </a:ext>
+              </a:extLst>
+            </p:cNvPr>
+            <p:cNvPicPr>
+              <a:picLocks noChangeAspect="1"/>
+            </p:cNvPicPr>
+            <p:nvPr/>
+          </p:nvPicPr>
+          <p:blipFill>
+            <a:blip r:embed="rId15">
+              <a:extLst>
+                <a:ext uri="{96DAC541-7B7A-43D3-8B79-37D633B846F1}">
+                  <asvg:svgBlip xmlns:asvg="http://schemas.microsoft.com/office/drawing/2016/SVG/main" r:embed="rId16"/>
+                </a:ext>
+              </a:extLst>
+            </a:blip>
+            <a:stretch>
+              <a:fillRect/>
+            </a:stretch>
+          </p:blipFill>
+          <p:spPr>
+            <a:xfrm>
+              <a:off x="3905250" y="5424352"/>
+              <a:ext cx="2457450" cy="685800"/>
+            </a:xfrm>
+            <a:prstGeom prst="rect">
+              <a:avLst/>
+            </a:prstGeom>
+          </p:spPr>
+        </p:pic>
+        <p:pic>
+          <p:nvPicPr>
+            <p:cNvPr id="23" name="Grafik 22">
+              <a:extLst>
+                <a:ext uri="{FF2B5EF4-FFF2-40B4-BE49-F238E27FC236}">
+                  <a16:creationId xmlns:a16="http://schemas.microsoft.com/office/drawing/2014/main" id="{1643E5DA-1FD5-EEC6-509F-FA6C58C6D086}"/>
+                </a:ext>
+              </a:extLst>
+            </p:cNvPr>
+            <p:cNvPicPr>
+              <a:picLocks noChangeAspect="1"/>
+            </p:cNvPicPr>
+            <p:nvPr/>
+          </p:nvPicPr>
+          <p:blipFill>
+            <a:blip r:embed="rId2">
+              <a:extLst>
+                <a:ext uri="{96DAC541-7B7A-43D3-8B79-37D633B846F1}">
+                  <asvg:svgBlip xmlns:asvg="http://schemas.microsoft.com/office/drawing/2016/SVG/main" r:embed="rId3"/>
+                </a:ext>
+              </a:extLst>
+            </a:blip>
+            <a:srcRect r="81008"/>
+            <a:stretch>
+              <a:fillRect/>
+            </a:stretch>
+          </p:blipFill>
+          <p:spPr>
+            <a:xfrm>
+              <a:off x="3905250" y="5424352"/>
+              <a:ext cx="466725" cy="685800"/>
+            </a:xfrm>
+            <a:prstGeom prst="rect">
+              <a:avLst/>
+            </a:prstGeom>
+          </p:spPr>
+        </p:pic>
+      </p:grpSp>
     </p:spTree>
     <p:extLst>
       <p:ext uri="{BB962C8B-B14F-4D97-AF65-F5344CB8AC3E}">
@@ -3699,216 +4163,170 @@
           <a:chExt cx="0" cy="0"/>
         </a:xfrm>
       </p:grpSpPr>
-      <p:grpSp>
-        <p:nvGrpSpPr>
-          <p:cNvPr id="9" name="Gruppieren 8">
-            <a:extLst>
-              <a:ext uri="{FF2B5EF4-FFF2-40B4-BE49-F238E27FC236}">
-                <a16:creationId xmlns:a16="http://schemas.microsoft.com/office/drawing/2014/main" id="{F364D1CE-98F1-89EF-2ADD-F2E03613A5C6}"/>
-              </a:ext>
-            </a:extLst>
-          </p:cNvPr>
-          <p:cNvGrpSpPr/>
+      <p:sp>
+        <p:nvSpPr>
+          <p:cNvPr id="3" name="Rechteck 2">
+            <a:extLst>
+              <a:ext uri="{FF2B5EF4-FFF2-40B4-BE49-F238E27FC236}">
+                <a16:creationId xmlns:a16="http://schemas.microsoft.com/office/drawing/2014/main" id="{D2D152C8-A3CD-6DA1-1616-5138D8FF13AD}"/>
+              </a:ext>
+            </a:extLst>
+          </p:cNvPr>
+          <p:cNvSpPr/>
           <p:nvPr/>
-        </p:nvGrpSpPr>
-        <p:grpSpPr>
+        </p:nvSpPr>
+        <p:spPr>
           <a:xfrm>
-            <a:off x="3381375" y="1905000"/>
-            <a:ext cx="1490663" cy="1669933"/>
-            <a:chOff x="3381375" y="1905000"/>
-            <a:chExt cx="1490663" cy="1669933"/>
+            <a:off x="1208865" y="307435"/>
+            <a:ext cx="4523362" cy="6243129"/>
           </a:xfrm>
-        </p:grpSpPr>
-        <p:sp>
-          <p:nvSpPr>
-            <p:cNvPr id="4" name="Rechteck: abgerundete Ecken 3">
-              <a:extLst>
-                <a:ext uri="{FF2B5EF4-FFF2-40B4-BE49-F238E27FC236}">
-                  <a16:creationId xmlns:a16="http://schemas.microsoft.com/office/drawing/2014/main" id="{9F02DE8C-E78D-D084-DA43-A515C43D08EE}"/>
-                </a:ext>
-              </a:extLst>
-            </p:cNvPr>
-            <p:cNvSpPr/>
-            <p:nvPr/>
-          </p:nvSpPr>
-          <p:spPr>
-            <a:xfrm>
-              <a:off x="3381375" y="1905000"/>
-              <a:ext cx="1080000" cy="1080000"/>
-            </a:xfrm>
-            <a:prstGeom prst="roundRect">
-              <a:avLst/>
-            </a:prstGeom>
-            <a:solidFill>
-              <a:schemeClr val="bg1"/>
-            </a:solidFill>
-            <a:ln w="76200"/>
-          </p:spPr>
-          <p:style>
-            <a:lnRef idx="2">
-              <a:schemeClr val="accent1">
-                <a:shade val="15000"/>
-              </a:schemeClr>
-            </a:lnRef>
-            <a:fillRef idx="1">
-              <a:schemeClr val="accent1"/>
-            </a:fillRef>
-            <a:effectRef idx="0">
-              <a:schemeClr val="accent1"/>
-            </a:effectRef>
-            <a:fontRef idx="minor">
-              <a:schemeClr val="lt1"/>
-            </a:fontRef>
-          </p:style>
-          <p:txBody>
-            <a:bodyPr rtlCol="0" anchor="ctr"/>
-            <a:lstStyle/>
-            <a:p>
-              <a:pPr algn="ctr"/>
-              <a:endParaRPr lang="de-DE"/>
-            </a:p>
-          </p:txBody>
-        </p:sp>
-        <p:sp>
-          <p:nvSpPr>
-            <p:cNvPr id="5" name="Rechteck: abgerundete Ecken 4">
-              <a:extLst>
-                <a:ext uri="{FF2B5EF4-FFF2-40B4-BE49-F238E27FC236}">
-                  <a16:creationId xmlns:a16="http://schemas.microsoft.com/office/drawing/2014/main" id="{6B8269F9-18E3-AF10-4D4D-AD6AF73B16C7}"/>
-                </a:ext>
-              </a:extLst>
-            </p:cNvPr>
-            <p:cNvSpPr/>
-            <p:nvPr/>
-          </p:nvSpPr>
-          <p:spPr>
-            <a:xfrm>
-              <a:off x="3533775" y="2057400"/>
-              <a:ext cx="1080000" cy="1080000"/>
-            </a:xfrm>
-            <a:prstGeom prst="roundRect">
-              <a:avLst/>
-            </a:prstGeom>
-            <a:solidFill>
-              <a:schemeClr val="bg1"/>
-            </a:solidFill>
-            <a:ln w="76200"/>
-          </p:spPr>
-          <p:style>
-            <a:lnRef idx="2">
-              <a:schemeClr val="accent1">
-                <a:shade val="15000"/>
-              </a:schemeClr>
-            </a:lnRef>
-            <a:fillRef idx="1">
-              <a:schemeClr val="accent1"/>
-            </a:fillRef>
-            <a:effectRef idx="0">
-              <a:schemeClr val="accent1"/>
-            </a:effectRef>
-            <a:fontRef idx="minor">
-              <a:schemeClr val="lt1"/>
-            </a:fontRef>
-          </p:style>
-          <p:txBody>
-            <a:bodyPr rtlCol="0" anchor="ctr"/>
-            <a:lstStyle/>
-            <a:p>
-              <a:pPr algn="ctr"/>
-              <a:endParaRPr lang="de-DE"/>
-            </a:p>
-          </p:txBody>
-        </p:sp>
-        <p:sp>
-          <p:nvSpPr>
-            <p:cNvPr id="6" name="Rechteck: abgerundete Ecken 5">
-              <a:extLst>
-                <a:ext uri="{FF2B5EF4-FFF2-40B4-BE49-F238E27FC236}">
-                  <a16:creationId xmlns:a16="http://schemas.microsoft.com/office/drawing/2014/main" id="{B8DE67CC-85F1-0126-9A0A-F42C99D3B40D}"/>
-                </a:ext>
-              </a:extLst>
-            </p:cNvPr>
-            <p:cNvSpPr/>
-            <p:nvPr/>
-          </p:nvSpPr>
-          <p:spPr>
-            <a:xfrm>
-              <a:off x="3686175" y="2209800"/>
-              <a:ext cx="1080000" cy="1080000"/>
-            </a:xfrm>
-            <a:prstGeom prst="roundRect">
-              <a:avLst/>
-            </a:prstGeom>
-            <a:solidFill>
-              <a:schemeClr val="bg1"/>
-            </a:solidFill>
-            <a:ln w="76200"/>
-          </p:spPr>
-          <p:style>
-            <a:lnRef idx="2">
-              <a:schemeClr val="accent1">
-                <a:shade val="15000"/>
-              </a:schemeClr>
-            </a:lnRef>
-            <a:fillRef idx="1">
-              <a:schemeClr val="accent1"/>
-            </a:fillRef>
-            <a:effectRef idx="0">
-              <a:schemeClr val="accent1"/>
-            </a:effectRef>
-            <a:fontRef idx="minor">
-              <a:schemeClr val="lt1"/>
-            </a:fontRef>
-          </p:style>
-          <p:txBody>
-            <a:bodyPr rtlCol="0" anchor="ctr"/>
-            <a:lstStyle/>
-            <a:p>
-              <a:pPr algn="ctr"/>
-              <a:endParaRPr lang="de-DE"/>
-            </a:p>
-          </p:txBody>
-        </p:sp>
-        <p:sp>
-          <p:nvSpPr>
-            <p:cNvPr id="8" name="Textfeld 7">
-              <a:extLst>
-                <a:ext uri="{FF2B5EF4-FFF2-40B4-BE49-F238E27FC236}">
-                  <a16:creationId xmlns:a16="http://schemas.microsoft.com/office/drawing/2014/main" id="{109CBD23-00E1-2E7A-DB22-1AD87C9E9F0B}"/>
-                </a:ext>
-              </a:extLst>
-            </p:cNvPr>
-            <p:cNvSpPr txBox="1"/>
-            <p:nvPr/>
-          </p:nvSpPr>
-          <p:spPr>
-            <a:xfrm>
-              <a:off x="3542211" y="1943717"/>
-              <a:ext cx="1329827" cy="1631216"/>
-            </a:xfrm>
-            <a:prstGeom prst="rect">
-              <a:avLst/>
-            </a:prstGeom>
-            <a:noFill/>
-          </p:spPr>
-          <p:txBody>
-            <a:bodyPr wrap="square" rtlCol="0">
-              <a:spAutoFit/>
-            </a:bodyPr>
-            <a:lstStyle/>
-            <a:p>
-              <a:pPr algn="ctr"/>
-              <a:r>
-                <a:rPr lang="de-DE" sz="10000" b="1" dirty="0">
-                  <a:latin typeface="Arial" panose="020B0604020202020204" pitchFamily="34" charset="0"/>
-                  <a:cs typeface="Arial" panose="020B0604020202020204" pitchFamily="34" charset="0"/>
-                </a:rPr>
-                <a:t>✓</a:t>
-              </a:r>
-            </a:p>
-          </p:txBody>
-        </p:sp>
-      </p:grpSp>
+          <a:prstGeom prst="rect">
+            <a:avLst/>
+          </a:prstGeom>
+        </p:spPr>
+        <p:style>
+          <a:lnRef idx="2">
+            <a:schemeClr val="dk1">
+              <a:shade val="15000"/>
+            </a:schemeClr>
+          </a:lnRef>
+          <a:fillRef idx="1">
+            <a:schemeClr val="dk1"/>
+          </a:fillRef>
+          <a:effectRef idx="0">
+            <a:schemeClr val="dk1"/>
+          </a:effectRef>
+          <a:fontRef idx="minor">
+            <a:schemeClr val="lt1"/>
+          </a:fontRef>
+        </p:style>
+        <p:txBody>
+          <a:bodyPr rtlCol="0" anchor="ctr"/>
+          <a:lstStyle/>
+          <a:p>
+            <a:pPr algn="ctr"/>
+            <a:endParaRPr lang="de-DE"/>
+          </a:p>
+        </p:txBody>
+      </p:sp>
+      <p:pic>
+        <p:nvPicPr>
+          <p:cNvPr id="10" name="Grafik 9" descr="Ein Bild, das Karminrot enthält.&#10;&#10;KI-generierte Inhalte können fehlerhaft sein.">
+            <a:extLst>
+              <a:ext uri="{FF2B5EF4-FFF2-40B4-BE49-F238E27FC236}">
+                <a16:creationId xmlns:a16="http://schemas.microsoft.com/office/drawing/2014/main" id="{08AF31EA-B697-5A20-BBC5-72EA51899D47}"/>
+              </a:ext>
+            </a:extLst>
+          </p:cNvPr>
+          <p:cNvPicPr>
+            <a:picLocks noChangeAspect="1"/>
+          </p:cNvPicPr>
+          <p:nvPr/>
+        </p:nvPicPr>
+        <p:blipFill>
+          <a:blip r:embed="rId2">
+            <a:clrChange>
+              <a:clrFrom>
+                <a:srgbClr val="FFFFFF"/>
+              </a:clrFrom>
+              <a:clrTo>
+                <a:srgbClr val="FFFFFF">
+                  <a:alpha val="0"/>
+                </a:srgbClr>
+              </a:clrTo>
+            </a:clrChange>
+            <a:extLst>
+              <a:ext uri="{28A0092B-C50C-407E-A947-70E740481C1C}">
+                <a14:useLocalDpi xmlns:a14="http://schemas.microsoft.com/office/drawing/2010/main" val="0"/>
+              </a:ext>
+            </a:extLst>
+          </a:blip>
+          <a:stretch>
+            <a:fillRect/>
+          </a:stretch>
+        </p:blipFill>
+        <p:spPr>
+          <a:xfrm>
+            <a:off x="4017728" y="418289"/>
+            <a:ext cx="3429000" cy="3429000"/>
+          </a:xfrm>
+          <a:prstGeom prst="rect">
+            <a:avLst/>
+          </a:prstGeom>
+        </p:spPr>
+      </p:pic>
+      <p:pic>
+        <p:nvPicPr>
+          <p:cNvPr id="22" name="Grafik 21">
+            <a:extLst>
+              <a:ext uri="{FF2B5EF4-FFF2-40B4-BE49-F238E27FC236}">
+                <a16:creationId xmlns:a16="http://schemas.microsoft.com/office/drawing/2014/main" id="{FD82A078-1D2A-1DDE-009E-1797024B0E4E}"/>
+              </a:ext>
+            </a:extLst>
+          </p:cNvPr>
+          <p:cNvPicPr>
+            <a:picLocks noChangeAspect="1"/>
+          </p:cNvPicPr>
+          <p:nvPr/>
+        </p:nvPicPr>
+        <p:blipFill>
+          <a:blip r:embed="rId3">
+            <a:extLst>
+              <a:ext uri="{96DAC541-7B7A-43D3-8B79-37D633B846F1}">
+                <asvg:svgBlip xmlns:asvg="http://schemas.microsoft.com/office/drawing/2016/SVG/main" r:embed="rId4"/>
+              </a:ext>
+            </a:extLst>
+          </a:blip>
+          <a:stretch>
+            <a:fillRect/>
+          </a:stretch>
+        </p:blipFill>
+        <p:spPr>
+          <a:xfrm>
+            <a:off x="4146619" y="3071912"/>
+            <a:ext cx="3171217" cy="3171217"/>
+          </a:xfrm>
+          <a:prstGeom prst="rect">
+            <a:avLst/>
+          </a:prstGeom>
+        </p:spPr>
+      </p:pic>
+      <p:pic>
+        <p:nvPicPr>
+          <p:cNvPr id="4" name="Grafik 3">
+            <a:extLst>
+              <a:ext uri="{FF2B5EF4-FFF2-40B4-BE49-F238E27FC236}">
+                <a16:creationId xmlns:a16="http://schemas.microsoft.com/office/drawing/2014/main" id="{6A869A9E-75DF-59BF-B81C-F84D0BF5A953}"/>
+              </a:ext>
+            </a:extLst>
+          </p:cNvPr>
+          <p:cNvPicPr>
+            <a:picLocks noChangeAspect="1"/>
+          </p:cNvPicPr>
+          <p:nvPr/>
+        </p:nvPicPr>
+        <p:blipFill>
+          <a:blip r:embed="rId5">
+            <a:extLst>
+              <a:ext uri="{96DAC541-7B7A-43D3-8B79-37D633B846F1}">
+                <asvg:svgBlip xmlns:asvg="http://schemas.microsoft.com/office/drawing/2016/SVG/main" r:embed="rId6"/>
+              </a:ext>
+            </a:extLst>
+          </a:blip>
+          <a:stretch>
+            <a:fillRect/>
+          </a:stretch>
+        </p:blipFill>
+        <p:spPr>
+          <a:xfrm>
+            <a:off x="717619" y="3071912"/>
+            <a:ext cx="3171217" cy="3171217"/>
+          </a:xfrm>
+          <a:prstGeom prst="rect">
+            <a:avLst/>
+          </a:prstGeom>
+        </p:spPr>
+      </p:pic>
     </p:spTree>
     <p:extLst>
       <p:ext uri="{BB962C8B-B14F-4D97-AF65-F5344CB8AC3E}">
